--- a/HSTR121/ppts/Dylan.pptx
+++ b/HSTR121/ppts/Dylan.pptx
@@ -109,7 +109,41 @@
       </a:defRPr>
     </a:lvl9pPr>
   </p:defaultTextStyle>
+  <p:extLst>
+    <p:ext uri="{EFAFB233-063F-42B5-8137-9DF3F51BA10A}">
+      <p15:sldGuideLst xmlns:p15="http://schemas.microsoft.com/office/powerpoint/2012/main"/>
+    </p:ext>
+  </p:extLst>
 </p:presentation>
+</file>
+
+<file path=ppt/changesInfos/changesInfo1.xml><?xml version="1.0" encoding="utf-8"?>
+<pc:chgInfo xmlns:a="http://schemas.openxmlformats.org/drawingml/2006/main" xmlns:r="http://schemas.openxmlformats.org/officeDocument/2006/relationships" xmlns:ac="http://schemas.microsoft.com/office/drawing/2013/main/command" xmlns:pc="http://schemas.microsoft.com/office/powerpoint/2013/main/command">
+  <pc:docChgLst>
+    <pc:chgData name="Mark Baker" userId="7debe814d9197520" providerId="LiveId" clId="{E60F88AA-8410-4F65-A127-18818C2D0A49}"/>
+    <pc:docChg chg="modSld">
+      <pc:chgData name="Mark Baker" userId="7debe814d9197520" providerId="LiveId" clId="{E60F88AA-8410-4F65-A127-18818C2D0A49}" dt="2019-09-18T22:38:36.047" v="5" actId="20577"/>
+      <pc:docMkLst>
+        <pc:docMk/>
+      </pc:docMkLst>
+      <pc:sldChg chg="modSp">
+        <pc:chgData name="Mark Baker" userId="7debe814d9197520" providerId="LiveId" clId="{E60F88AA-8410-4F65-A127-18818C2D0A49}" dt="2019-09-18T22:38:36.047" v="5" actId="20577"/>
+        <pc:sldMkLst>
+          <pc:docMk/>
+          <pc:sldMk cId="2395331093" sldId="256"/>
+        </pc:sldMkLst>
+        <pc:spChg chg="mod">
+          <ac:chgData name="Mark Baker" userId="7debe814d9197520" providerId="LiveId" clId="{E60F88AA-8410-4F65-A127-18818C2D0A49}" dt="2019-09-18T22:38:36.047" v="5" actId="20577"/>
+          <ac:spMkLst>
+            <pc:docMk/>
+            <pc:sldMk cId="2395331093" sldId="256"/>
+            <ac:spMk id="3" creationId="{FF18A861-14B1-45ED-9C25-9D5A5D126964}"/>
+          </ac:spMkLst>
+        </pc:spChg>
+      </pc:sldChg>
+    </pc:docChg>
+  </pc:docChgLst>
+</pc:chgInfo>
 </file>
 
 <file path=ppt/slideLayouts/slideLayout1.xml><?xml version="1.0" encoding="utf-8"?>
@@ -515,7 +549,7 @@
           <a:p>
             <a:fld id="{83284890-85D2-4D7B-8EF5-15A9C1DB8F42}" type="datetimeFigureOut">
               <a:rPr lang="en-US" dirty="0"/>
-              <a:t>1/31/2018</a:t>
+              <a:t>9/17/2019</a:t>
             </a:fld>
             <a:endParaRPr lang="en-US" dirty="0"/>
           </a:p>
@@ -690,7 +724,7 @@
           <a:p>
             <a:fld id="{87157CC2-0FC8-4686-B024-99790E0F5162}" type="datetimeFigureOut">
               <a:rPr lang="en-US" dirty="0"/>
-              <a:t>1/31/2018</a:t>
+              <a:t>9/17/2019</a:t>
             </a:fld>
             <a:endParaRPr lang="en-US" dirty="0"/>
           </a:p>
@@ -865,7 +899,7 @@
           <a:p>
             <a:fld id="{F6764DA5-CD3D-4590-A511-FCD3BC7A793E}" type="datetimeFigureOut">
               <a:rPr lang="en-US" dirty="0"/>
-              <a:t>1/31/2018</a:t>
+              <a:t>9/17/2019</a:t>
             </a:fld>
             <a:endParaRPr lang="en-US" dirty="0"/>
           </a:p>
@@ -1030,7 +1064,7 @@
           <a:p>
             <a:fld id="{82F5661D-6934-4B32-B92C-470368BF1EC6}" type="datetimeFigureOut">
               <a:rPr lang="en-US" dirty="0"/>
-              <a:t>1/31/2018</a:t>
+              <a:t>9/17/2019</a:t>
             </a:fld>
             <a:endParaRPr lang="en-US" dirty="0"/>
           </a:p>
@@ -1338,7 +1372,7 @@
           <a:p>
             <a:fld id="{C6F822A4-8DA6-4447-9B1F-C5DB58435268}" type="datetimeFigureOut">
               <a:rPr lang="en-US" dirty="0"/>
-              <a:t>1/31/2018</a:t>
+              <a:t>9/17/2019</a:t>
             </a:fld>
             <a:endParaRPr lang="en-US" dirty="0"/>
           </a:p>
@@ -1720,7 +1754,7 @@
           <a:p>
             <a:fld id="{E548D31E-DCDA-41A7-9C67-C4B11B94D21D}" type="datetimeFigureOut">
               <a:rPr lang="en-US" dirty="0"/>
-              <a:t>1/31/2018</a:t>
+              <a:t>9/17/2019</a:t>
             </a:fld>
             <a:endParaRPr lang="en-US" dirty="0"/>
           </a:p>
@@ -2149,7 +2183,7 @@
           <a:p>
             <a:fld id="{9B3762C0-B258-48F1-ADE6-176B4174CCDD}" type="datetimeFigureOut">
               <a:rPr lang="en-US" dirty="0"/>
-              <a:t>1/31/2018</a:t>
+              <a:t>9/17/2019</a:t>
             </a:fld>
             <a:endParaRPr lang="en-US" dirty="0"/>
           </a:p>
@@ -2262,7 +2296,7 @@
           <a:p>
             <a:fld id="{677919A6-33EB-49BD-A62F-1FA56B9F9712}" type="datetimeFigureOut">
               <a:rPr lang="en-US" dirty="0"/>
-              <a:t>1/31/2018</a:t>
+              <a:t>9/17/2019</a:t>
             </a:fld>
             <a:endParaRPr lang="en-US" dirty="0"/>
           </a:p>
@@ -2352,7 +2386,7 @@
           <a:p>
             <a:fld id="{CA4E7D1B-D673-4CF6-8672-009D42ABD2A0}" type="datetimeFigureOut">
               <a:rPr lang="en-US" dirty="0"/>
-              <a:t>1/31/2018</a:t>
+              <a:t>9/17/2019</a:t>
             </a:fld>
             <a:endParaRPr lang="en-US" dirty="0"/>
           </a:p>
@@ -2697,7 +2731,7 @@
           <a:p>
             <a:fld id="{DA16AA21-1863-4931-97CB-99D0A168701B}" type="datetimeFigureOut">
               <a:rPr lang="en-US" dirty="0"/>
-              <a:t>1/31/2018</a:t>
+              <a:t>9/17/2019</a:t>
             </a:fld>
             <a:endParaRPr lang="en-US" dirty="0"/>
           </a:p>
@@ -3117,7 +3151,7 @@
           <a:p>
             <a:fld id="{3772C379-9A7C-4C87-A116-CBE9F58B04C5}" type="datetimeFigureOut">
               <a:rPr lang="en-US" dirty="0"/>
-              <a:t>1/31/2018</a:t>
+              <a:t>9/17/2019</a:t>
             </a:fld>
             <a:endParaRPr lang="en-US" dirty="0"/>
           </a:p>
@@ -3403,7 +3437,7 @@
           <a:p>
             <a:fld id="{8664C608-40B1-4030-A28D-5B74BC98ADCE}" type="datetimeFigureOut">
               <a:rPr lang="en-US" dirty="0"/>
-              <a:t>1/31/2018</a:t>
+              <a:t>9/17/2019</a:t>
             </a:fld>
             <a:endParaRPr lang="en-US" dirty="0"/>
           </a:p>
@@ -4037,8 +4071,12 @@
           <a:lstStyle/>
           <a:p>
             <a:r>
+              <a:rPr lang="en-CA" dirty="0"/>
+              <a:t>Protest voice, folk music, rock and roller, person</a:t>
+            </a:r>
+            <a:r>
               <a:rPr lang="en-CA"/>
-              <a:t>Protest voice, folk music, rock and roller, person	</a:t>
+              <a:t>, poet	</a:t>
             </a:r>
             <a:endParaRPr lang="en-CA" dirty="0"/>
           </a:p>
@@ -4236,7 +4274,6 @@
                   </a:schemeClr>
                   <a:prstClr val="white"/>
                 </a:duotone>
-                <a:extLst/>
               </a:blip>
               <a:srcRect/>
               <a:tile tx="50800" ty="0" sx="85000" sy="85000" flip="none" algn="tl"/>
@@ -4629,7 +4666,6 @@
                   </a:schemeClr>
                   <a:prstClr val="white"/>
                 </a:duotone>
-                <a:extLst/>
               </a:blip>
               <a:srcRect/>
               <a:tile tx="50800" ty="0" sx="85000" sy="85000" flip="none" algn="tl"/>
@@ -5263,7 +5299,6 @@
                   </a:schemeClr>
                   <a:prstClr val="white"/>
                 </a:duotone>
-                <a:extLst/>
               </a:blip>
               <a:srcRect/>
               <a:tile tx="50800" ty="0" sx="85000" sy="85000" flip="none" algn="tl"/>
